--- a/part-5-dom/EX-4/initial/instruction_ex04.pptx
+++ b/part-5-dom/EX-4/initial/instruction_ex04.pptx
@@ -104,6 +104,11 @@
       </a:defRPr>
     </a:lvl9pPr>
   </p:defaultTextStyle>
+  <p:extLst>
+    <p:ext uri="{EFAFB233-063F-42B5-8137-9DF3F51BA10A}">
+      <p15:sldGuideLst xmlns:p15="http://schemas.microsoft.com/office/powerpoint/2012/main"/>
+    </p:ext>
+  </p:extLst>
 </p:presentation>
 </file>
 
@@ -149,10 +154,9 @@
           </a:lstStyle>
           <a:p>
             <a:r>
-              <a:rPr lang="en-US" smtClean="0"/>
+              <a:rPr lang="en-US"/>
               <a:t>Click to edit Master title style</a:t>
             </a:r>
-            <a:endParaRPr lang="en-US"/>
           </a:p>
         </p:txBody>
       </p:sp>
@@ -214,10 +218,9 @@
           </a:lstStyle>
           <a:p>
             <a:r>
-              <a:rPr lang="en-US" smtClean="0"/>
+              <a:rPr lang="en-US"/>
               <a:t>Click to edit Master subtitle style</a:t>
             </a:r>
-            <a:endParaRPr lang="en-US"/>
           </a:p>
         </p:txBody>
       </p:sp>
@@ -238,7 +241,7 @@
           <a:p>
             <a:fld id="{75C4DA6D-35A0-4A8B-B96E-FD38031CC9A4}" type="datetimeFigureOut">
               <a:rPr lang="en-US" smtClean="0"/>
-              <a:t>3/22/2021</a:t>
+              <a:t>1/10/2022</a:t>
             </a:fld>
             <a:endParaRPr lang="en-US"/>
           </a:p>
@@ -332,10 +335,9 @@
           <a:lstStyle/>
           <a:p>
             <a:r>
-              <a:rPr lang="en-US" smtClean="0"/>
+              <a:rPr lang="en-US"/>
               <a:t>Click to edit Master title style</a:t>
             </a:r>
-            <a:endParaRPr lang="en-US"/>
           </a:p>
         </p:txBody>
       </p:sp>
@@ -356,38 +358,37 @@
           <a:p>
             <a:pPr lvl="0"/>
             <a:r>
-              <a:rPr lang="en-US" smtClean="0"/>
+              <a:rPr lang="en-US"/>
               <a:t>Edit Master text styles</a:t>
             </a:r>
           </a:p>
           <a:p>
             <a:pPr lvl="1"/>
             <a:r>
-              <a:rPr lang="en-US" smtClean="0"/>
+              <a:rPr lang="en-US"/>
               <a:t>Second level</a:t>
             </a:r>
           </a:p>
           <a:p>
             <a:pPr lvl="2"/>
             <a:r>
-              <a:rPr lang="en-US" smtClean="0"/>
+              <a:rPr lang="en-US"/>
               <a:t>Third level</a:t>
             </a:r>
           </a:p>
           <a:p>
             <a:pPr lvl="3"/>
             <a:r>
-              <a:rPr lang="en-US" smtClean="0"/>
+              <a:rPr lang="en-US"/>
               <a:t>Fourth level</a:t>
             </a:r>
           </a:p>
           <a:p>
             <a:pPr lvl="4"/>
             <a:r>
-              <a:rPr lang="en-US" smtClean="0"/>
+              <a:rPr lang="en-US"/>
               <a:t>Fifth level</a:t>
             </a:r>
-            <a:endParaRPr lang="en-US"/>
           </a:p>
         </p:txBody>
       </p:sp>
@@ -408,7 +409,7 @@
           <a:p>
             <a:fld id="{75C4DA6D-35A0-4A8B-B96E-FD38031CC9A4}" type="datetimeFigureOut">
               <a:rPr lang="en-US" smtClean="0"/>
-              <a:t>3/22/2021</a:t>
+              <a:t>1/10/2022</a:t>
             </a:fld>
             <a:endParaRPr lang="en-US"/>
           </a:p>
@@ -507,10 +508,9 @@
           <a:lstStyle/>
           <a:p>
             <a:r>
-              <a:rPr lang="en-US" smtClean="0"/>
+              <a:rPr lang="en-US"/>
               <a:t>Click to edit Master title style</a:t>
             </a:r>
-            <a:endParaRPr lang="en-US"/>
           </a:p>
         </p:txBody>
       </p:sp>
@@ -536,38 +536,37 @@
           <a:p>
             <a:pPr lvl="0"/>
             <a:r>
-              <a:rPr lang="en-US" smtClean="0"/>
+              <a:rPr lang="en-US"/>
               <a:t>Edit Master text styles</a:t>
             </a:r>
           </a:p>
           <a:p>
             <a:pPr lvl="1"/>
             <a:r>
-              <a:rPr lang="en-US" smtClean="0"/>
+              <a:rPr lang="en-US"/>
               <a:t>Second level</a:t>
             </a:r>
           </a:p>
           <a:p>
             <a:pPr lvl="2"/>
             <a:r>
-              <a:rPr lang="en-US" smtClean="0"/>
+              <a:rPr lang="en-US"/>
               <a:t>Third level</a:t>
             </a:r>
           </a:p>
           <a:p>
             <a:pPr lvl="3"/>
             <a:r>
-              <a:rPr lang="en-US" smtClean="0"/>
+              <a:rPr lang="en-US"/>
               <a:t>Fourth level</a:t>
             </a:r>
           </a:p>
           <a:p>
             <a:pPr lvl="4"/>
             <a:r>
-              <a:rPr lang="en-US" smtClean="0"/>
+              <a:rPr lang="en-US"/>
               <a:t>Fifth level</a:t>
             </a:r>
-            <a:endParaRPr lang="en-US"/>
           </a:p>
         </p:txBody>
       </p:sp>
@@ -588,7 +587,7 @@
           <a:p>
             <a:fld id="{75C4DA6D-35A0-4A8B-B96E-FD38031CC9A4}" type="datetimeFigureOut">
               <a:rPr lang="en-US" smtClean="0"/>
-              <a:t>3/22/2021</a:t>
+              <a:t>1/10/2022</a:t>
             </a:fld>
             <a:endParaRPr lang="en-US"/>
           </a:p>
@@ -682,10 +681,9 @@
           <a:lstStyle/>
           <a:p>
             <a:r>
-              <a:rPr lang="en-US" smtClean="0"/>
+              <a:rPr lang="en-US"/>
               <a:t>Click to edit Master title style</a:t>
             </a:r>
-            <a:endParaRPr lang="en-US"/>
           </a:p>
         </p:txBody>
       </p:sp>
@@ -706,38 +704,37 @@
           <a:p>
             <a:pPr lvl="0"/>
             <a:r>
-              <a:rPr lang="en-US" smtClean="0"/>
+              <a:rPr lang="en-US"/>
               <a:t>Edit Master text styles</a:t>
             </a:r>
           </a:p>
           <a:p>
             <a:pPr lvl="1"/>
             <a:r>
-              <a:rPr lang="en-US" smtClean="0"/>
+              <a:rPr lang="en-US"/>
               <a:t>Second level</a:t>
             </a:r>
           </a:p>
           <a:p>
             <a:pPr lvl="2"/>
             <a:r>
-              <a:rPr lang="en-US" smtClean="0"/>
+              <a:rPr lang="en-US"/>
               <a:t>Third level</a:t>
             </a:r>
           </a:p>
           <a:p>
             <a:pPr lvl="3"/>
             <a:r>
-              <a:rPr lang="en-US" smtClean="0"/>
+              <a:rPr lang="en-US"/>
               <a:t>Fourth level</a:t>
             </a:r>
           </a:p>
           <a:p>
             <a:pPr lvl="4"/>
             <a:r>
-              <a:rPr lang="en-US" smtClean="0"/>
+              <a:rPr lang="en-US"/>
               <a:t>Fifth level</a:t>
             </a:r>
-            <a:endParaRPr lang="en-US"/>
           </a:p>
         </p:txBody>
       </p:sp>
@@ -758,7 +755,7 @@
           <a:p>
             <a:fld id="{75C4DA6D-35A0-4A8B-B96E-FD38031CC9A4}" type="datetimeFigureOut">
               <a:rPr lang="en-US" smtClean="0"/>
-              <a:t>3/22/2021</a:t>
+              <a:t>1/10/2022</a:t>
             </a:fld>
             <a:endParaRPr lang="en-US"/>
           </a:p>
@@ -861,10 +858,9 @@
           </a:lstStyle>
           <a:p>
             <a:r>
-              <a:rPr lang="en-US" smtClean="0"/>
+              <a:rPr lang="en-US"/>
               <a:t>Click to edit Master title style</a:t>
             </a:r>
-            <a:endParaRPr lang="en-US"/>
           </a:p>
         </p:txBody>
       </p:sp>
@@ -981,7 +977,7 @@
           <a:p>
             <a:pPr lvl="0"/>
             <a:r>
-              <a:rPr lang="en-US" smtClean="0"/>
+              <a:rPr lang="en-US"/>
               <a:t>Edit Master text styles</a:t>
             </a:r>
           </a:p>
@@ -1004,7 +1000,7 @@
           <a:p>
             <a:fld id="{75C4DA6D-35A0-4A8B-B96E-FD38031CC9A4}" type="datetimeFigureOut">
               <a:rPr lang="en-US" smtClean="0"/>
-              <a:t>3/22/2021</a:t>
+              <a:t>1/10/2022</a:t>
             </a:fld>
             <a:endParaRPr lang="en-US"/>
           </a:p>
@@ -1098,10 +1094,9 @@
           <a:lstStyle/>
           <a:p>
             <a:r>
-              <a:rPr lang="en-US" smtClean="0"/>
+              <a:rPr lang="en-US"/>
               <a:t>Click to edit Master title style</a:t>
             </a:r>
-            <a:endParaRPr lang="en-US"/>
           </a:p>
         </p:txBody>
       </p:sp>
@@ -1127,38 +1122,37 @@
           <a:p>
             <a:pPr lvl="0"/>
             <a:r>
-              <a:rPr lang="en-US" smtClean="0"/>
+              <a:rPr lang="en-US"/>
               <a:t>Edit Master text styles</a:t>
             </a:r>
           </a:p>
           <a:p>
             <a:pPr lvl="1"/>
             <a:r>
-              <a:rPr lang="en-US" smtClean="0"/>
+              <a:rPr lang="en-US"/>
               <a:t>Second level</a:t>
             </a:r>
           </a:p>
           <a:p>
             <a:pPr lvl="2"/>
             <a:r>
-              <a:rPr lang="en-US" smtClean="0"/>
+              <a:rPr lang="en-US"/>
               <a:t>Third level</a:t>
             </a:r>
           </a:p>
           <a:p>
             <a:pPr lvl="3"/>
             <a:r>
-              <a:rPr lang="en-US" smtClean="0"/>
+              <a:rPr lang="en-US"/>
               <a:t>Fourth level</a:t>
             </a:r>
           </a:p>
           <a:p>
             <a:pPr lvl="4"/>
             <a:r>
-              <a:rPr lang="en-US" smtClean="0"/>
+              <a:rPr lang="en-US"/>
               <a:t>Fifth level</a:t>
             </a:r>
-            <a:endParaRPr lang="en-US"/>
           </a:p>
         </p:txBody>
       </p:sp>
@@ -1184,38 +1178,37 @@
           <a:p>
             <a:pPr lvl="0"/>
             <a:r>
-              <a:rPr lang="en-US" smtClean="0"/>
+              <a:rPr lang="en-US"/>
               <a:t>Edit Master text styles</a:t>
             </a:r>
           </a:p>
           <a:p>
             <a:pPr lvl="1"/>
             <a:r>
-              <a:rPr lang="en-US" smtClean="0"/>
+              <a:rPr lang="en-US"/>
               <a:t>Second level</a:t>
             </a:r>
           </a:p>
           <a:p>
             <a:pPr lvl="2"/>
             <a:r>
-              <a:rPr lang="en-US" smtClean="0"/>
+              <a:rPr lang="en-US"/>
               <a:t>Third level</a:t>
             </a:r>
           </a:p>
           <a:p>
             <a:pPr lvl="3"/>
             <a:r>
-              <a:rPr lang="en-US" smtClean="0"/>
+              <a:rPr lang="en-US"/>
               <a:t>Fourth level</a:t>
             </a:r>
           </a:p>
           <a:p>
             <a:pPr lvl="4"/>
             <a:r>
-              <a:rPr lang="en-US" smtClean="0"/>
+              <a:rPr lang="en-US"/>
               <a:t>Fifth level</a:t>
             </a:r>
-            <a:endParaRPr lang="en-US"/>
           </a:p>
         </p:txBody>
       </p:sp>
@@ -1236,7 +1229,7 @@
           <a:p>
             <a:fld id="{75C4DA6D-35A0-4A8B-B96E-FD38031CC9A4}" type="datetimeFigureOut">
               <a:rPr lang="en-US" smtClean="0"/>
-              <a:t>3/22/2021</a:t>
+              <a:t>1/10/2022</a:t>
             </a:fld>
             <a:endParaRPr lang="en-US"/>
           </a:p>
@@ -1335,10 +1328,9 @@
           <a:lstStyle/>
           <a:p>
             <a:r>
-              <a:rPr lang="en-US" smtClean="0"/>
+              <a:rPr lang="en-US"/>
               <a:t>Click to edit Master title style</a:t>
             </a:r>
-            <a:endParaRPr lang="en-US"/>
           </a:p>
         </p:txBody>
       </p:sp>
@@ -1401,7 +1393,7 @@
           <a:p>
             <a:pPr lvl="0"/>
             <a:r>
-              <a:rPr lang="en-US" smtClean="0"/>
+              <a:rPr lang="en-US"/>
               <a:t>Edit Master text styles</a:t>
             </a:r>
           </a:p>
@@ -1429,38 +1421,37 @@
           <a:p>
             <a:pPr lvl="0"/>
             <a:r>
-              <a:rPr lang="en-US" smtClean="0"/>
+              <a:rPr lang="en-US"/>
               <a:t>Edit Master text styles</a:t>
             </a:r>
           </a:p>
           <a:p>
             <a:pPr lvl="1"/>
             <a:r>
-              <a:rPr lang="en-US" smtClean="0"/>
+              <a:rPr lang="en-US"/>
               <a:t>Second level</a:t>
             </a:r>
           </a:p>
           <a:p>
             <a:pPr lvl="2"/>
             <a:r>
-              <a:rPr lang="en-US" smtClean="0"/>
+              <a:rPr lang="en-US"/>
               <a:t>Third level</a:t>
             </a:r>
           </a:p>
           <a:p>
             <a:pPr lvl="3"/>
             <a:r>
-              <a:rPr lang="en-US" smtClean="0"/>
+              <a:rPr lang="en-US"/>
               <a:t>Fourth level</a:t>
             </a:r>
           </a:p>
           <a:p>
             <a:pPr lvl="4"/>
             <a:r>
-              <a:rPr lang="en-US" smtClean="0"/>
+              <a:rPr lang="en-US"/>
               <a:t>Fifth level</a:t>
             </a:r>
-            <a:endParaRPr lang="en-US"/>
           </a:p>
         </p:txBody>
       </p:sp>
@@ -1523,7 +1514,7 @@
           <a:p>
             <a:pPr lvl="0"/>
             <a:r>
-              <a:rPr lang="en-US" smtClean="0"/>
+              <a:rPr lang="en-US"/>
               <a:t>Edit Master text styles</a:t>
             </a:r>
           </a:p>
@@ -1551,38 +1542,37 @@
           <a:p>
             <a:pPr lvl="0"/>
             <a:r>
-              <a:rPr lang="en-US" smtClean="0"/>
+              <a:rPr lang="en-US"/>
               <a:t>Edit Master text styles</a:t>
             </a:r>
           </a:p>
           <a:p>
             <a:pPr lvl="1"/>
             <a:r>
-              <a:rPr lang="en-US" smtClean="0"/>
+              <a:rPr lang="en-US"/>
               <a:t>Second level</a:t>
             </a:r>
           </a:p>
           <a:p>
             <a:pPr lvl="2"/>
             <a:r>
-              <a:rPr lang="en-US" smtClean="0"/>
+              <a:rPr lang="en-US"/>
               <a:t>Third level</a:t>
             </a:r>
           </a:p>
           <a:p>
             <a:pPr lvl="3"/>
             <a:r>
-              <a:rPr lang="en-US" smtClean="0"/>
+              <a:rPr lang="en-US"/>
               <a:t>Fourth level</a:t>
             </a:r>
           </a:p>
           <a:p>
             <a:pPr lvl="4"/>
             <a:r>
-              <a:rPr lang="en-US" smtClean="0"/>
+              <a:rPr lang="en-US"/>
               <a:t>Fifth level</a:t>
             </a:r>
-            <a:endParaRPr lang="en-US"/>
           </a:p>
         </p:txBody>
       </p:sp>
@@ -1603,7 +1593,7 @@
           <a:p>
             <a:fld id="{75C4DA6D-35A0-4A8B-B96E-FD38031CC9A4}" type="datetimeFigureOut">
               <a:rPr lang="en-US" smtClean="0"/>
-              <a:t>3/22/2021</a:t>
+              <a:t>1/10/2022</a:t>
             </a:fld>
             <a:endParaRPr lang="en-US"/>
           </a:p>
@@ -1697,10 +1687,9 @@
           <a:lstStyle/>
           <a:p>
             <a:r>
-              <a:rPr lang="en-US" smtClean="0"/>
+              <a:rPr lang="en-US"/>
               <a:t>Click to edit Master title style</a:t>
             </a:r>
-            <a:endParaRPr lang="en-US"/>
           </a:p>
         </p:txBody>
       </p:sp>
@@ -1721,7 +1710,7 @@
           <a:p>
             <a:fld id="{75C4DA6D-35A0-4A8B-B96E-FD38031CC9A4}" type="datetimeFigureOut">
               <a:rPr lang="en-US" smtClean="0"/>
-              <a:t>3/22/2021</a:t>
+              <a:t>1/10/2022</a:t>
             </a:fld>
             <a:endParaRPr lang="en-US"/>
           </a:p>
@@ -1816,7 +1805,7 @@
           <a:p>
             <a:fld id="{75C4DA6D-35A0-4A8B-B96E-FD38031CC9A4}" type="datetimeFigureOut">
               <a:rPr lang="en-US" smtClean="0"/>
-              <a:t>3/22/2021</a:t>
+              <a:t>1/10/2022</a:t>
             </a:fld>
             <a:endParaRPr lang="en-US"/>
           </a:p>
@@ -1919,10 +1908,9 @@
           </a:lstStyle>
           <a:p>
             <a:r>
-              <a:rPr lang="en-US" smtClean="0"/>
+              <a:rPr lang="en-US"/>
               <a:t>Click to edit Master title style</a:t>
             </a:r>
-            <a:endParaRPr lang="en-US"/>
           </a:p>
         </p:txBody>
       </p:sp>
@@ -1976,38 +1964,37 @@
           <a:p>
             <a:pPr lvl="0"/>
             <a:r>
-              <a:rPr lang="en-US" smtClean="0"/>
+              <a:rPr lang="en-US"/>
               <a:t>Edit Master text styles</a:t>
             </a:r>
           </a:p>
           <a:p>
             <a:pPr lvl="1"/>
             <a:r>
-              <a:rPr lang="en-US" smtClean="0"/>
+              <a:rPr lang="en-US"/>
               <a:t>Second level</a:t>
             </a:r>
           </a:p>
           <a:p>
             <a:pPr lvl="2"/>
             <a:r>
-              <a:rPr lang="en-US" smtClean="0"/>
+              <a:rPr lang="en-US"/>
               <a:t>Third level</a:t>
             </a:r>
           </a:p>
           <a:p>
             <a:pPr lvl="3"/>
             <a:r>
-              <a:rPr lang="en-US" smtClean="0"/>
+              <a:rPr lang="en-US"/>
               <a:t>Fourth level</a:t>
             </a:r>
           </a:p>
           <a:p>
             <a:pPr lvl="4"/>
             <a:r>
-              <a:rPr lang="en-US" smtClean="0"/>
+              <a:rPr lang="en-US"/>
               <a:t>Fifth level</a:t>
             </a:r>
-            <a:endParaRPr lang="en-US"/>
           </a:p>
         </p:txBody>
       </p:sp>
@@ -2070,7 +2057,7 @@
           <a:p>
             <a:pPr lvl="0"/>
             <a:r>
-              <a:rPr lang="en-US" smtClean="0"/>
+              <a:rPr lang="en-US"/>
               <a:t>Edit Master text styles</a:t>
             </a:r>
           </a:p>
@@ -2093,7 +2080,7 @@
           <a:p>
             <a:fld id="{75C4DA6D-35A0-4A8B-B96E-FD38031CC9A4}" type="datetimeFigureOut">
               <a:rPr lang="en-US" smtClean="0"/>
-              <a:t>3/22/2021</a:t>
+              <a:t>1/10/2022</a:t>
             </a:fld>
             <a:endParaRPr lang="en-US"/>
           </a:p>
@@ -2196,10 +2183,9 @@
           </a:lstStyle>
           <a:p>
             <a:r>
-              <a:rPr lang="en-US" smtClean="0"/>
+              <a:rPr lang="en-US"/>
               <a:t>Click to edit Master title style</a:t>
             </a:r>
-            <a:endParaRPr lang="en-US"/>
           </a:p>
         </p:txBody>
       </p:sp>
@@ -2323,7 +2309,7 @@
           <a:p>
             <a:pPr lvl="0"/>
             <a:r>
-              <a:rPr lang="en-US" smtClean="0"/>
+              <a:rPr lang="en-US"/>
               <a:t>Edit Master text styles</a:t>
             </a:r>
           </a:p>
@@ -2346,7 +2332,7 @@
           <a:p>
             <a:fld id="{75C4DA6D-35A0-4A8B-B96E-FD38031CC9A4}" type="datetimeFigureOut">
               <a:rPr lang="en-US" smtClean="0"/>
-              <a:t>3/22/2021</a:t>
+              <a:t>1/10/2022</a:t>
             </a:fld>
             <a:endParaRPr lang="en-US"/>
           </a:p>
@@ -2455,10 +2441,9 @@
           <a:lstStyle/>
           <a:p>
             <a:r>
-              <a:rPr lang="en-US" smtClean="0"/>
+              <a:rPr lang="en-US"/>
               <a:t>Click to edit Master title style</a:t>
             </a:r>
-            <a:endParaRPr lang="en-US"/>
           </a:p>
         </p:txBody>
       </p:sp>
@@ -2489,38 +2474,37 @@
           <a:p>
             <a:pPr lvl="0"/>
             <a:r>
-              <a:rPr lang="en-US" smtClean="0"/>
+              <a:rPr lang="en-US"/>
               <a:t>Edit Master text styles</a:t>
             </a:r>
           </a:p>
           <a:p>
             <a:pPr lvl="1"/>
             <a:r>
-              <a:rPr lang="en-US" smtClean="0"/>
+              <a:rPr lang="en-US"/>
               <a:t>Second level</a:t>
             </a:r>
           </a:p>
           <a:p>
             <a:pPr lvl="2"/>
             <a:r>
-              <a:rPr lang="en-US" smtClean="0"/>
+              <a:rPr lang="en-US"/>
               <a:t>Third level</a:t>
             </a:r>
           </a:p>
           <a:p>
             <a:pPr lvl="3"/>
             <a:r>
-              <a:rPr lang="en-US" smtClean="0"/>
+              <a:rPr lang="en-US"/>
               <a:t>Fourth level</a:t>
             </a:r>
           </a:p>
           <a:p>
             <a:pPr lvl="4"/>
             <a:r>
-              <a:rPr lang="en-US" smtClean="0"/>
+              <a:rPr lang="en-US"/>
               <a:t>Fifth level</a:t>
             </a:r>
-            <a:endParaRPr lang="en-US"/>
           </a:p>
         </p:txBody>
       </p:sp>
@@ -2559,7 +2543,7 @@
           <a:p>
             <a:fld id="{75C4DA6D-35A0-4A8B-B96E-FD38031CC9A4}" type="datetimeFigureOut">
               <a:rPr lang="en-US" smtClean="0"/>
-              <a:t>3/22/2021</a:t>
+              <a:t>1/10/2022</a:t>
             </a:fld>
             <a:endParaRPr lang="en-US"/>
           </a:p>
@@ -2987,7 +2971,7 @@
           <a:lstStyle/>
           <a:p>
             <a:r>
-              <a:rPr lang="en-US" sz="2400" b="1" u="sng" dirty="0" smtClean="0">
+              <a:rPr lang="en-US" sz="2400" b="1" u="sng" dirty="0">
                 <a:solidFill>
                   <a:srgbClr val="FF33CC"/>
                 </a:solidFill>
@@ -3025,7 +3009,7 @@
           <a:lstStyle/>
           <a:p>
             <a:r>
-              <a:rPr lang="en-US" dirty="0" smtClean="0"/>
+              <a:rPr lang="en-US" dirty="0"/>
               <a:t>In HTML you have to input form:</a:t>
             </a:r>
           </a:p>
@@ -3056,7 +3040,7 @@
         </p:blipFill>
         <p:spPr>
           <a:xfrm>
-            <a:off x="1032598" y="1817498"/>
+            <a:off x="1032598" y="1797569"/>
             <a:ext cx="4502381" cy="1549480"/>
           </a:xfrm>
           <a:prstGeom prst="rect">
@@ -3118,7 +3102,7 @@
           <a:lstStyle/>
           <a:p>
             <a:r>
-              <a:rPr lang="en-US" b="1" dirty="0" smtClean="0">
+              <a:rPr lang="en-US" b="1" dirty="0">
                 <a:solidFill>
                   <a:srgbClr val="FF0000"/>
                 </a:solidFill>
@@ -3132,7 +3116,7 @@
               <a:buChar char="•"/>
             </a:pPr>
             <a:r>
-              <a:rPr lang="en-US" dirty="0" smtClean="0"/>
+              <a:rPr lang="en-US" dirty="0"/>
               <a:t>Write the JS to convert character that have input in the first input to Uppercase letter.</a:t>
             </a:r>
           </a:p>
@@ -3142,7 +3126,7 @@
               <a:buChar char="•"/>
             </a:pPr>
             <a:r>
-              <a:rPr lang="en-US" dirty="0" smtClean="0"/>
+              <a:rPr lang="en-US" dirty="0"/>
               <a:t>Write JS to convert character that have input in the second input to Lowercase letter.</a:t>
             </a:r>
           </a:p>
@@ -3174,7 +3158,7 @@
           <a:lstStyle/>
           <a:p>
             <a:r>
-              <a:rPr lang="en-US" dirty="0" smtClean="0">
+              <a:rPr lang="en-US" dirty="0">
                 <a:solidFill>
                   <a:srgbClr val="FF0000"/>
                 </a:solidFill>
@@ -3184,18 +3168,13 @@
           </a:p>
           <a:p>
             <a:r>
-              <a:rPr lang="en-US" dirty="0" smtClean="0">
+              <a:rPr lang="en-US" dirty="0">
                 <a:solidFill>
                   <a:srgbClr val="FF0000"/>
                 </a:solidFill>
               </a:rPr>
               <a:t>The text must be convert during input.</a:t>
             </a:r>
-            <a:endParaRPr lang="en-US" dirty="0">
-              <a:solidFill>
-                <a:srgbClr val="FF0000"/>
-              </a:solidFill>
-            </a:endParaRPr>
           </a:p>
         </p:txBody>
       </p:sp>
@@ -3222,18 +3201,13 @@
           <a:lstStyle/>
           <a:p>
             <a:r>
-              <a:rPr lang="en-US" b="1" dirty="0" smtClean="0">
+              <a:rPr lang="en-US" b="1" dirty="0">
                 <a:solidFill>
                   <a:schemeClr val="accent6"/>
                 </a:solidFill>
               </a:rPr>
               <a:t>The result shall be display</a:t>
             </a:r>
-            <a:endParaRPr lang="en-US" b="1" dirty="0">
-              <a:solidFill>
-                <a:schemeClr val="accent6"/>
-              </a:solidFill>
-            </a:endParaRPr>
           </a:p>
         </p:txBody>
       </p:sp>
